--- a/Workshops/Workshop2.pptx
+++ b/Workshops/Workshop2.pptx
@@ -202,7 +202,7 @@
           <a:p>
             <a:fld id="{0F9C1CCF-B725-44A7-AA57-5E433BD85C9F}" type="datetimeFigureOut">
               <a:rPr lang="en-US" smtClean="0"/>
-              <a:t>2/17/2018</a:t>
+              <a:t>4/5/2019</a:t>
             </a:fld>
             <a:endParaRPr lang="en-US"/>
           </a:p>
@@ -4028,7 +4028,7 @@
       </p:grpSpPr>
       <p:pic>
         <p:nvPicPr>
-          <p:cNvPr descr="../Images/Clinician%20Coders%20Branding_FINAL_CMYK_Colour.png" id="0" name="Picture 1"/>
+          <p:cNvPr descr="../Images/ClinicianCodersBranding_FINAL_CMYK_Colour.png" id="0" name="Picture 1"/>
           <p:cNvPicPr>
             <a:picLocks noGrp="1" noChangeAspect="1"/>
           </p:cNvPicPr>
@@ -4480,7 +4480,7 @@
             </a:pPr>
             <a:r>
               <a:rPr/>
-              <a:t>In groups, identify messy aspects of the data</a:t>
+              <a:t>Identify messy aspects of the data.</a:t>
             </a:r>
           </a:p>
           <a:p>

--- a/Workshops/Workshop2.pptx
+++ b/Workshops/Workshop2.pptx
@@ -851,7 +851,7 @@
           <a:p>
             <a:fld id="{937E6D32-4C03-264D-8FDB-034DA7582E3B}" type="datetimeFigureOut">
               <a:rPr lang="en-US" smtClean="0"/>
-              <a:t>8/27/19</a:t>
+              <a:t>9/21/2021</a:t>
             </a:fld>
             <a:endParaRPr lang="en-US"/>
           </a:p>
@@ -1049,7 +1049,7 @@
           <a:p>
             <a:fld id="{937E6D32-4C03-264D-8FDB-034DA7582E3B}" type="datetimeFigureOut">
               <a:rPr lang="en-US" smtClean="0"/>
-              <a:t>8/27/19</a:t>
+              <a:t>9/21/2021</a:t>
             </a:fld>
             <a:endParaRPr lang="en-US"/>
           </a:p>
@@ -1257,7 +1257,7 @@
           <a:p>
             <a:fld id="{937E6D32-4C03-264D-8FDB-034DA7582E3B}" type="datetimeFigureOut">
               <a:rPr lang="en-US" smtClean="0"/>
-              <a:t>8/27/19</a:t>
+              <a:t>9/21/2021</a:t>
             </a:fld>
             <a:endParaRPr lang="en-US"/>
           </a:p>
@@ -1455,7 +1455,7 @@
           <a:p>
             <a:fld id="{937E6D32-4C03-264D-8FDB-034DA7582E3B}" type="datetimeFigureOut">
               <a:rPr lang="en-US" smtClean="0"/>
-              <a:t>8/27/19</a:t>
+              <a:t>9/21/2021</a:t>
             </a:fld>
             <a:endParaRPr lang="en-US"/>
           </a:p>
@@ -1730,7 +1730,7 @@
           <a:p>
             <a:fld id="{937E6D32-4C03-264D-8FDB-034DA7582E3B}" type="datetimeFigureOut">
               <a:rPr lang="en-US" smtClean="0"/>
-              <a:t>8/27/19</a:t>
+              <a:t>9/21/2021</a:t>
             </a:fld>
             <a:endParaRPr lang="en-US"/>
           </a:p>
@@ -1995,7 +1995,7 @@
           <a:p>
             <a:fld id="{937E6D32-4C03-264D-8FDB-034DA7582E3B}" type="datetimeFigureOut">
               <a:rPr lang="en-US" smtClean="0"/>
-              <a:t>8/27/19</a:t>
+              <a:t>9/21/2021</a:t>
             </a:fld>
             <a:endParaRPr lang="en-US"/>
           </a:p>
@@ -2407,7 +2407,7 @@
           <a:p>
             <a:fld id="{937E6D32-4C03-264D-8FDB-034DA7582E3B}" type="datetimeFigureOut">
               <a:rPr lang="en-US" smtClean="0"/>
-              <a:t>8/27/19</a:t>
+              <a:t>9/21/2021</a:t>
             </a:fld>
             <a:endParaRPr lang="en-US"/>
           </a:p>
@@ -2548,7 +2548,7 @@
           <a:p>
             <a:fld id="{937E6D32-4C03-264D-8FDB-034DA7582E3B}" type="datetimeFigureOut">
               <a:rPr lang="en-US" smtClean="0"/>
-              <a:t>8/27/19</a:t>
+              <a:t>9/21/2021</a:t>
             </a:fld>
             <a:endParaRPr lang="en-US"/>
           </a:p>
@@ -2661,7 +2661,7 @@
           <a:p>
             <a:fld id="{937E6D32-4C03-264D-8FDB-034DA7582E3B}" type="datetimeFigureOut">
               <a:rPr lang="en-US" smtClean="0"/>
-              <a:t>8/27/19</a:t>
+              <a:t>9/21/2021</a:t>
             </a:fld>
             <a:endParaRPr lang="en-US"/>
           </a:p>
@@ -2972,7 +2972,7 @@
           <a:p>
             <a:fld id="{937E6D32-4C03-264D-8FDB-034DA7582E3B}" type="datetimeFigureOut">
               <a:rPr lang="en-US" smtClean="0"/>
-              <a:t>8/27/19</a:t>
+              <a:t>9/21/2021</a:t>
             </a:fld>
             <a:endParaRPr lang="en-US"/>
           </a:p>
@@ -3260,7 +3260,7 @@
           <a:p>
             <a:fld id="{937E6D32-4C03-264D-8FDB-034DA7582E3B}" type="datetimeFigureOut">
               <a:rPr lang="en-US" smtClean="0"/>
-              <a:t>8/27/19</a:t>
+              <a:t>9/21/2021</a:t>
             </a:fld>
             <a:endParaRPr lang="en-US"/>
           </a:p>
@@ -3426,35 +3426,35 @@
           <a:p>
             <a:pPr lvl="0"/>
             <a:r>
-              <a:rPr lang="en-US"/>
+              <a:rPr lang="en-US" dirty="0"/>
               <a:t>Click to edit Master text styles</a:t>
             </a:r>
           </a:p>
           <a:p>
             <a:pPr lvl="1"/>
             <a:r>
-              <a:rPr lang="en-US"/>
+              <a:rPr lang="en-US" dirty="0"/>
               <a:t>Second level</a:t>
             </a:r>
           </a:p>
           <a:p>
             <a:pPr lvl="2"/>
             <a:r>
-              <a:rPr lang="en-US"/>
+              <a:rPr lang="en-US" dirty="0"/>
               <a:t>Third level</a:t>
             </a:r>
           </a:p>
           <a:p>
             <a:pPr lvl="3"/>
             <a:r>
-              <a:rPr lang="en-US"/>
+              <a:rPr lang="en-US" dirty="0"/>
               <a:t>Fourth level</a:t>
             </a:r>
           </a:p>
           <a:p>
             <a:pPr lvl="4"/>
             <a:r>
-              <a:rPr lang="en-US"/>
+              <a:rPr lang="en-US" dirty="0"/>
               <a:t>Fifth level</a:t>
             </a:r>
           </a:p>
@@ -3501,7 +3501,7 @@
           <a:p>
             <a:fld id="{937E6D32-4C03-264D-8FDB-034DA7582E3B}" type="datetimeFigureOut">
               <a:rPr lang="en-US" smtClean="0"/>
-              <a:t>8/27/19</a:t>
+              <a:t>9/21/2021</a:t>
             </a:fld>
             <a:endParaRPr lang="en-US"/>
           </a:p>
@@ -3639,7 +3639,7 @@
       </a:lvl1pPr>
     </p:titleStyle>
     <p:bodyStyle>
-      <a:lvl1pPr marL="228600" indent="-228600" algn="l" defTabSz="914400" rtl="0" eaLnBrk="1" latinLnBrk="0" hangingPunct="1">
+      <a:lvl1pPr marL="1144800" indent="-228600" algn="l" defTabSz="914400" rtl="0" eaLnBrk="1" latinLnBrk="0" hangingPunct="1">
         <a:lnSpc>
           <a:spcPct val="90000"/>
         </a:lnSpc>
@@ -3648,7 +3648,7 @@
         </a:spcBef>
         <a:buFont typeface="Arial" panose="020B0604020202020204" pitchFamily="34" charset="0"/>
         <a:buChar char="•"/>
-        <a:defRPr sz="2800" kern="1200">
+        <a:defRPr sz="1800" kern="1200">
           <a:solidFill>
             <a:schemeClr val="tx1"/>
           </a:solidFill>
@@ -3666,7 +3666,7 @@
         </a:spcBef>
         <a:buFont typeface="Arial" panose="020B0604020202020204" pitchFamily="34" charset="0"/>
         <a:buChar char="•"/>
-        <a:defRPr sz="2400" kern="1200">
+        <a:defRPr sz="2300" kern="1200">
           <a:solidFill>
             <a:schemeClr val="tx1"/>
           </a:solidFill>
@@ -4508,7 +4508,7 @@
               <a:t>If you finish early, use the </a:t>
             </a:r>
             <a:r>
-              <a:rPr sz="1800">
+              <a:rPr>
                 <a:latin typeface="Courier"/>
               </a:rPr>
               <a:t>dplyr</a:t>
@@ -4518,7 +4518,7 @@
               <a:t> and </a:t>
             </a:r>
             <a:r>
-              <a:rPr sz="1800">
+              <a:rPr>
                 <a:latin typeface="Courier"/>
               </a:rPr>
               <a:t>stringr</a:t>
@@ -4528,7 +4528,7 @@
               <a:t> cheat sheets to start identifying appropriate </a:t>
             </a:r>
             <a:r>
-              <a:rPr sz="1800">
+              <a:rPr>
                 <a:latin typeface="Courier"/>
               </a:rPr>
               <a:t>R</a:t>
@@ -4541,7 +4541,7 @@
           <a:p>
             <a:pPr lvl="2"/>
             <a:r>
-              <a:rPr sz="1800">
+              <a:rPr>
                 <a:latin typeface="Courier"/>
               </a:rPr>
               <a:t>dplyr</a:t>
@@ -4560,7 +4560,7 @@
           <a:p>
             <a:pPr lvl="2"/>
             <a:r>
-              <a:rPr sz="1800">
+              <a:rPr>
                 <a:latin typeface="Courier"/>
               </a:rPr>
               <a:t>stringr</a:t>
